--- a/marketing/marketreports/retail_snapshot_template.pptx
+++ b/marketing/marketreports/retail_snapshot_template.pptx
@@ -142,9 +142,38 @@
 <file path=ppt/revisionInfo.xml><?xml version="1.0" encoding="utf-8"?>
 <p1510:revInfo xmlns:a="http://schemas.openxmlformats.org/drawingml/2006/main" xmlns:r="http://schemas.openxmlformats.org/officeDocument/2006/relationships" xmlns:p1510="http://schemas.microsoft.com/office/powerpoint/2015/10/main">
   <p1510:revLst>
-    <p1510:client id="{E302B0F5-50F0-5648-BF0C-153FB3076854}" v="1" dt="2020-06-24T19:07:43.192"/>
+    <p1510:client id="{12A3F488-9A57-6342-BFCB-70DE284EC64B}" v="1" dt="2020-07-13T15:02:09.746"/>
   </p1510:revLst>
 </p1510:revInfo>
+</file>
+
+<file path=ppt/changesInfos/changesInfo1.xml><?xml version="1.0" encoding="utf-8"?>
+<pc:chgInfo xmlns:a="http://schemas.openxmlformats.org/drawingml/2006/main" xmlns:r="http://schemas.openxmlformats.org/officeDocument/2006/relationships" xmlns:ac="http://schemas.microsoft.com/office/drawing/2013/main/command" xmlns:pc="http://schemas.microsoft.com/office/powerpoint/2013/main/command">
+  <pc:docChgLst>
+    <pc:chgData name="Andrew Schnitkey" userId="4f2f6332d690fb8f" providerId="LiveId" clId="{12A3F488-9A57-6342-BFCB-70DE284EC64B}"/>
+    <pc:docChg chg="modSld">
+      <pc:chgData name="Andrew Schnitkey" userId="4f2f6332d690fb8f" providerId="LiveId" clId="{12A3F488-9A57-6342-BFCB-70DE284EC64B}" dt="2020-07-13T15:02:09.746" v="7" actId="5736"/>
+      <pc:docMkLst>
+        <pc:docMk/>
+      </pc:docMkLst>
+      <pc:sldChg chg="modSp mod">
+        <pc:chgData name="Andrew Schnitkey" userId="4f2f6332d690fb8f" providerId="LiveId" clId="{12A3F488-9A57-6342-BFCB-70DE284EC64B}" dt="2020-07-13T15:02:09.746" v="7" actId="5736"/>
+        <pc:sldMkLst>
+          <pc:docMk/>
+          <pc:sldMk cId="769240779" sldId="3309"/>
+        </pc:sldMkLst>
+        <pc:graphicFrameChg chg="mod">
+          <ac:chgData name="Andrew Schnitkey" userId="4f2f6332d690fb8f" providerId="LiveId" clId="{12A3F488-9A57-6342-BFCB-70DE284EC64B}" dt="2020-07-13T15:02:09.746" v="7" actId="5736"/>
+          <ac:graphicFrameMkLst>
+            <pc:docMk/>
+            <pc:sldMk cId="769240779" sldId="3309"/>
+            <ac:graphicFrameMk id="2" creationId="{AE554B24-EC4F-6245-BAC1-E1ED0E9FC0C4}"/>
+          </ac:graphicFrameMkLst>
+        </pc:graphicFrameChg>
+      </pc:sldChg>
+    </pc:docChg>
+  </pc:docChgLst>
+</pc:chgInfo>
 </file>
 
 <file path=ppt/charts/chart1.xml><?xml version="1.0" encoding="utf-8"?>
@@ -220,19 +249,19 @@
               <c:strCache>
                 <c:ptCount val="5"/>
                 <c:pt idx="0">
-                  <c:v>Q1 2019</c:v>
+                  <c:v>Q2 2019</c:v>
                 </c:pt>
                 <c:pt idx="1">
-                  <c:v>Q2 2019</c:v>
+                  <c:v>Q3 2019</c:v>
                 </c:pt>
                 <c:pt idx="2">
-                  <c:v>Q3 2019</c:v>
+                  <c:v>Q4 2019</c:v>
                 </c:pt>
                 <c:pt idx="3">
-                  <c:v>Q4 2019</c:v>
+                  <c:v>Q1 2020</c:v>
                 </c:pt>
                 <c:pt idx="4">
-                  <c:v>Q1 2020</c:v>
+                  <c:v>Q2 2020</c:v>
                 </c:pt>
               </c:strCache>
             </c:strRef>
@@ -244,19 +273,19 @@
                 <c:formatCode>General</c:formatCode>
                 <c:ptCount val="5"/>
                 <c:pt idx="0">
-                  <c:v>216212</c:v>
+                  <c:v>-153540</c:v>
                 </c:pt>
                 <c:pt idx="1">
-                  <c:v>-153540</c:v>
+                  <c:v>-10076</c:v>
                 </c:pt>
                 <c:pt idx="2">
-                  <c:v>-10076</c:v>
+                  <c:v>-43334</c:v>
                 </c:pt>
                 <c:pt idx="3">
-                  <c:v>-43334</c:v>
+                  <c:v>-41320</c:v>
                 </c:pt>
                 <c:pt idx="4">
-                  <c:v>-41320</c:v>
+                  <c:v>-190000</c:v>
                 </c:pt>
               </c:numCache>
             </c:numRef>
@@ -327,19 +356,19 @@
               <c:strCache>
                 <c:ptCount val="5"/>
                 <c:pt idx="0">
-                  <c:v>Q1 2019</c:v>
+                  <c:v>Q2 2019</c:v>
                 </c:pt>
                 <c:pt idx="1">
-                  <c:v>Q2 2019</c:v>
+                  <c:v>Q3 2019</c:v>
                 </c:pt>
                 <c:pt idx="2">
-                  <c:v>Q3 2019</c:v>
+                  <c:v>Q4 2019</c:v>
                 </c:pt>
                 <c:pt idx="3">
-                  <c:v>Q4 2019</c:v>
+                  <c:v>Q1 2020</c:v>
                 </c:pt>
                 <c:pt idx="4">
-                  <c:v>Q1 2020</c:v>
+                  <c:v>Q2 2020</c:v>
                 </c:pt>
               </c:strCache>
             </c:strRef>
@@ -351,19 +380,19 @@
                 <c:formatCode>0.00%</c:formatCode>
                 <c:ptCount val="5"/>
                 <c:pt idx="0">
-                  <c:v>2.7E-2</c:v>
+                  <c:v>2.9000000000000001E-2</c:v>
                 </c:pt>
                 <c:pt idx="1">
-                  <c:v>2.9000000000000001E-2</c:v>
+                  <c:v>3.1E-2</c:v>
                 </c:pt>
                 <c:pt idx="2">
-                  <c:v>3.1E-2</c:v>
+                  <c:v>3.3000000000000002E-2</c:v>
                 </c:pt>
                 <c:pt idx="3">
-                  <c:v>3.3000000000000002E-2</c:v>
+                  <c:v>3.5000000000000003E-2</c:v>
                 </c:pt>
                 <c:pt idx="4">
-                  <c:v>3.5000000000000003E-2</c:v>
+                  <c:v>3.4000000000000002E-2</c:v>
                 </c:pt>
               </c:numCache>
             </c:numRef>
@@ -527,6 +556,7 @@
         <c:minorTickMark val="none"/>
         <c:tickLblPos val="nextTo"/>
         <c:crossAx val="616685120"/>
+        <c:crosses val="autoZero"/>
         <c:auto val="1"/>
         <c:lblAlgn val="ctr"/>
         <c:lblOffset val="100"/>
@@ -649,7 +679,7 @@
             <a:fld id="{EFC10EE1-B198-C942-8235-326C972CBB30}" type="datetimeFigureOut">
               <a:rPr lang="en-US" smtClean="0"/>
               <a:pPr/>
-              <a:t>6/24/20</a:t>
+              <a:t>7/13/20</a:t>
             </a:fld>
             <a:endParaRPr lang="en-US" dirty="0"/>
           </a:p>
@@ -1529,7 +1559,7 @@
           <p:nvPr>
             <p:extLst>
               <p:ext uri="{D42A27DB-BD31-4B8C-83A1-F6EECF244321}">
-                <p14:modId xmlns:p14="http://schemas.microsoft.com/office/powerpoint/2010/main" val="3040410633"/>
+                <p14:modId xmlns:p14="http://schemas.microsoft.com/office/powerpoint/2010/main" val="580196609"/>
               </p:ext>
             </p:extLst>
           </p:nvPr>

--- a/marketing/marketreports/retail_snapshot_template.pptx
+++ b/marketing/marketreports/retail_snapshot_template.pptx
@@ -142,7 +142,7 @@
 <file path=ppt/revisionInfo.xml><?xml version="1.0" encoding="utf-8"?>
 <p1510:revInfo xmlns:a="http://schemas.openxmlformats.org/drawingml/2006/main" xmlns:r="http://schemas.openxmlformats.org/officeDocument/2006/relationships" xmlns:p1510="http://schemas.microsoft.com/office/powerpoint/2015/10/main">
   <p1510:revLst>
-    <p1510:client id="{12A3F488-9A57-6342-BFCB-70DE284EC64B}" v="1" dt="2020-07-13T15:02:09.746"/>
+    <p1510:client id="{12A3F488-9A57-6342-BFCB-70DE284EC64B}" v="6" dt="2020-10-19T19:14:34.279"/>
   </p1510:revLst>
 </p1510:revInfo>
 </file>
@@ -152,18 +152,26 @@
   <pc:docChgLst>
     <pc:chgData name="Andrew Schnitkey" userId="4f2f6332d690fb8f" providerId="LiveId" clId="{12A3F488-9A57-6342-BFCB-70DE284EC64B}"/>
     <pc:docChg chg="modSld">
-      <pc:chgData name="Andrew Schnitkey" userId="4f2f6332d690fb8f" providerId="LiveId" clId="{12A3F488-9A57-6342-BFCB-70DE284EC64B}" dt="2020-07-13T15:02:09.746" v="7" actId="5736"/>
+      <pc:chgData name="Andrew Schnitkey" userId="4f2f6332d690fb8f" providerId="LiveId" clId="{12A3F488-9A57-6342-BFCB-70DE284EC64B}" dt="2020-10-19T19:14:34.279" v="14" actId="5736"/>
       <pc:docMkLst>
         <pc:docMk/>
       </pc:docMkLst>
-      <pc:sldChg chg="modSp mod">
-        <pc:chgData name="Andrew Schnitkey" userId="4f2f6332d690fb8f" providerId="LiveId" clId="{12A3F488-9A57-6342-BFCB-70DE284EC64B}" dt="2020-07-13T15:02:09.746" v="7" actId="5736"/>
+      <pc:sldChg chg="addSp modSp mod">
+        <pc:chgData name="Andrew Schnitkey" userId="4f2f6332d690fb8f" providerId="LiveId" clId="{12A3F488-9A57-6342-BFCB-70DE284EC64B}" dt="2020-10-19T19:14:34.279" v="14" actId="5736"/>
         <pc:sldMkLst>
           <pc:docMk/>
           <pc:sldMk cId="769240779" sldId="3309"/>
         </pc:sldMkLst>
+        <pc:spChg chg="add mod">
+          <ac:chgData name="Andrew Schnitkey" userId="4f2f6332d690fb8f" providerId="LiveId" clId="{12A3F488-9A57-6342-BFCB-70DE284EC64B}" dt="2020-10-19T19:14:07.355" v="13" actId="767"/>
+          <ac:spMkLst>
+            <pc:docMk/>
+            <pc:sldMk cId="769240779" sldId="3309"/>
+            <ac:spMk id="5" creationId="{BBAE4675-A289-4D4A-9E5F-BD4922A61691}"/>
+          </ac:spMkLst>
+        </pc:spChg>
         <pc:graphicFrameChg chg="mod">
-          <ac:chgData name="Andrew Schnitkey" userId="4f2f6332d690fb8f" providerId="LiveId" clId="{12A3F488-9A57-6342-BFCB-70DE284EC64B}" dt="2020-07-13T15:02:09.746" v="7" actId="5736"/>
+          <ac:chgData name="Andrew Schnitkey" userId="4f2f6332d690fb8f" providerId="LiveId" clId="{12A3F488-9A57-6342-BFCB-70DE284EC64B}" dt="2020-10-19T19:14:34.279" v="14" actId="5736"/>
           <ac:graphicFrameMkLst>
             <pc:docMk/>
             <pc:sldMk cId="769240779" sldId="3309"/>
@@ -249,19 +257,19 @@
               <c:strCache>
                 <c:ptCount val="5"/>
                 <c:pt idx="0">
-                  <c:v>Q2 2019</c:v>
+                  <c:v>Q3 2019</c:v>
                 </c:pt>
                 <c:pt idx="1">
-                  <c:v>Q3 2019</c:v>
+                  <c:v>Q4 2019</c:v>
                 </c:pt>
                 <c:pt idx="2">
-                  <c:v>Q4 2019</c:v>
+                  <c:v>Q1 2020</c:v>
                 </c:pt>
                 <c:pt idx="3">
-                  <c:v>Q1 2020</c:v>
+                  <c:v>Q2 2020</c:v>
                 </c:pt>
                 <c:pt idx="4">
-                  <c:v>Q2 2020</c:v>
+                  <c:v>Q3 2020</c:v>
                 </c:pt>
               </c:strCache>
             </c:strRef>
@@ -273,19 +281,19 @@
                 <c:formatCode>General</c:formatCode>
                 <c:ptCount val="5"/>
                 <c:pt idx="0">
-                  <c:v>-153540</c:v>
+                  <c:v>-10076</c:v>
                 </c:pt>
                 <c:pt idx="1">
-                  <c:v>-10076</c:v>
+                  <c:v>-43334</c:v>
                 </c:pt>
                 <c:pt idx="2">
-                  <c:v>-43334</c:v>
+                  <c:v>-41320</c:v>
                 </c:pt>
                 <c:pt idx="3">
-                  <c:v>-41320</c:v>
+                  <c:v>-190000</c:v>
                 </c:pt>
                 <c:pt idx="4">
-                  <c:v>-190000</c:v>
+                  <c:v>14781</c:v>
                 </c:pt>
               </c:numCache>
             </c:numRef>
@@ -356,19 +364,19 @@
               <c:strCache>
                 <c:ptCount val="5"/>
                 <c:pt idx="0">
-                  <c:v>Q2 2019</c:v>
+                  <c:v>Q3 2019</c:v>
                 </c:pt>
                 <c:pt idx="1">
-                  <c:v>Q3 2019</c:v>
+                  <c:v>Q4 2019</c:v>
                 </c:pt>
                 <c:pt idx="2">
-                  <c:v>Q4 2019</c:v>
+                  <c:v>Q1 2020</c:v>
                 </c:pt>
                 <c:pt idx="3">
-                  <c:v>Q1 2020</c:v>
+                  <c:v>Q2 2020</c:v>
                 </c:pt>
                 <c:pt idx="4">
-                  <c:v>Q2 2020</c:v>
+                  <c:v>Q3 2020</c:v>
                 </c:pt>
               </c:strCache>
             </c:strRef>
@@ -380,16 +388,16 @@
                 <c:formatCode>0.00%</c:formatCode>
                 <c:ptCount val="5"/>
                 <c:pt idx="0">
-                  <c:v>2.9000000000000001E-2</c:v>
+                  <c:v>3.1E-2</c:v>
                 </c:pt>
                 <c:pt idx="1">
-                  <c:v>3.1E-2</c:v>
+                  <c:v>3.3000000000000002E-2</c:v>
                 </c:pt>
                 <c:pt idx="2">
-                  <c:v>3.3000000000000002E-2</c:v>
+                  <c:v>3.5000000000000003E-2</c:v>
                 </c:pt>
                 <c:pt idx="3">
-                  <c:v>3.5000000000000003E-2</c:v>
+                  <c:v>3.4000000000000002E-2</c:v>
                 </c:pt>
                 <c:pt idx="4">
                   <c:v>3.4000000000000002E-2</c:v>
@@ -518,8 +526,8 @@
         <c:axId val="616685120"/>
         <c:scaling>
           <c:orientation val="minMax"/>
-          <c:max val="4.0000000000000008E-2"/>
-          <c:min val="2.0000000000000004E-2"/>
+          <c:max val="3.6000000000000004E-2"/>
+          <c:min val="3.0000000000000006E-2"/>
         </c:scaling>
         <c:delete val="0"/>
         <c:axPos val="r"/>
@@ -679,7 +687,7 @@
             <a:fld id="{EFC10EE1-B198-C942-8235-326C972CBB30}" type="datetimeFigureOut">
               <a:rPr lang="en-US" smtClean="0"/>
               <a:pPr/>
-              <a:t>7/13/20</a:t>
+              <a:t>10/19/20</a:t>
             </a:fld>
             <a:endParaRPr lang="en-US" dirty="0"/>
           </a:p>
@@ -1559,7 +1567,7 @@
           <p:nvPr>
             <p:extLst>
               <p:ext uri="{D42A27DB-BD31-4B8C-83A1-F6EECF244321}">
-                <p14:modId xmlns:p14="http://schemas.microsoft.com/office/powerpoint/2010/main" val="580196609"/>
+                <p14:modId xmlns:p14="http://schemas.microsoft.com/office/powerpoint/2010/main" val="2210176389"/>
               </p:ext>
             </p:extLst>
           </p:nvPr>
@@ -2689,6 +2697,38 @@
               </a:rPr>
               <a:t>Green marketing is a practice whereby companies seek to go above and beyond.</a:t>
             </a:r>
+          </a:p>
+        </p:txBody>
+      </p:sp>
+      <p:sp>
+        <p:nvSpPr>
+          <p:cNvPr id="5" name="TextBox 4">
+            <a:extLst>
+              <a:ext uri="{FF2B5EF4-FFF2-40B4-BE49-F238E27FC236}">
+                <a16:creationId xmlns:a16="http://schemas.microsoft.com/office/drawing/2014/main" id="{BBAE4675-A289-4D4A-9E5F-BD4922A61691}"/>
+              </a:ext>
+            </a:extLst>
+          </p:cNvPr>
+          <p:cNvSpPr txBox="1"/>
+          <p:nvPr/>
+        </p:nvSpPr>
+        <p:spPr>
+          <a:xfrm>
+            <a:off x="32028063" y="-1852863"/>
+            <a:ext cx="184731" cy="646331"/>
+          </a:xfrm>
+          <a:prstGeom prst="rect">
+            <a:avLst/>
+          </a:prstGeom>
+          <a:noFill/>
+        </p:spPr>
+        <p:txBody>
+          <a:bodyPr wrap="none" rtlCol="0">
+            <a:spAutoFit/>
+          </a:bodyPr>
+          <a:lstStyle/>
+          <a:p>
+            <a:endParaRPr lang="en-US" dirty="0"/>
           </a:p>
         </p:txBody>
       </p:sp>

--- a/marketing/marketreports/retail_snapshot_template.pptx
+++ b/marketing/marketreports/retail_snapshot_template.pptx
@@ -257,19 +257,19 @@
               <c:strCache>
                 <c:ptCount val="5"/>
                 <c:pt idx="0">
-                  <c:v>Q3 2019</c:v>
+                  <c:v>Q4 2019</c:v>
                 </c:pt>
                 <c:pt idx="1">
-                  <c:v>Q4 2019</c:v>
+                  <c:v>Q1 2020</c:v>
                 </c:pt>
                 <c:pt idx="2">
-                  <c:v>Q1 2020</c:v>
+                  <c:v>Q2 2020</c:v>
                 </c:pt>
                 <c:pt idx="3">
-                  <c:v>Q2 2020</c:v>
+                  <c:v>Q3 2020</c:v>
                 </c:pt>
                 <c:pt idx="4">
-                  <c:v>Q3 2020</c:v>
+                  <c:v>Q4 2020</c:v>
                 </c:pt>
               </c:strCache>
             </c:strRef>
@@ -281,19 +281,19 @@
                 <c:formatCode>General</c:formatCode>
                 <c:ptCount val="5"/>
                 <c:pt idx="0">
-                  <c:v>-10076</c:v>
+                  <c:v>-43334</c:v>
                 </c:pt>
                 <c:pt idx="1">
-                  <c:v>-43334</c:v>
+                  <c:v>-41320</c:v>
                 </c:pt>
                 <c:pt idx="2">
-                  <c:v>-41320</c:v>
+                  <c:v>-190000</c:v>
                 </c:pt>
                 <c:pt idx="3">
-                  <c:v>-190000</c:v>
+                  <c:v>14781</c:v>
                 </c:pt>
                 <c:pt idx="4">
-                  <c:v>14781</c:v>
+                  <c:v>106000</c:v>
                 </c:pt>
               </c:numCache>
             </c:numRef>
@@ -364,19 +364,19 @@
               <c:strCache>
                 <c:ptCount val="5"/>
                 <c:pt idx="0">
-                  <c:v>Q3 2019</c:v>
+                  <c:v>Q4 2019</c:v>
                 </c:pt>
                 <c:pt idx="1">
-                  <c:v>Q4 2019</c:v>
+                  <c:v>Q1 2020</c:v>
                 </c:pt>
                 <c:pt idx="2">
-                  <c:v>Q1 2020</c:v>
+                  <c:v>Q2 2020</c:v>
                 </c:pt>
                 <c:pt idx="3">
-                  <c:v>Q2 2020</c:v>
+                  <c:v>Q3 2020</c:v>
                 </c:pt>
                 <c:pt idx="4">
-                  <c:v>Q3 2020</c:v>
+                  <c:v>Q4 2020</c:v>
                 </c:pt>
               </c:strCache>
             </c:strRef>
@@ -388,13 +388,13 @@
                 <c:formatCode>0.00%</c:formatCode>
                 <c:ptCount val="5"/>
                 <c:pt idx="0">
-                  <c:v>3.1E-2</c:v>
+                  <c:v>3.3000000000000002E-2</c:v>
                 </c:pt>
                 <c:pt idx="1">
-                  <c:v>3.3000000000000002E-2</c:v>
+                  <c:v>3.5000000000000003E-2</c:v>
                 </c:pt>
                 <c:pt idx="2">
-                  <c:v>3.5000000000000003E-2</c:v>
+                  <c:v>3.4000000000000002E-2</c:v>
                 </c:pt>
                 <c:pt idx="3">
                   <c:v>3.4000000000000002E-2</c:v>
@@ -527,7 +527,7 @@
         <c:scaling>
           <c:orientation val="minMax"/>
           <c:max val="3.6000000000000004E-2"/>
-          <c:min val="3.0000000000000006E-2"/>
+          <c:min val="3.2000000000000008E-2"/>
         </c:scaling>
         <c:delete val="0"/>
         <c:axPos val="r"/>
@@ -551,6 +551,7 @@
         <c:crossAx val="260815536"/>
         <c:crosses val="max"/>
         <c:crossBetween val="between"/>
+        <c:majorUnit val="1.0000000000000002E-3"/>
       </c:valAx>
       <c:catAx>
         <c:axId val="260815536"/>
@@ -687,7 +688,7 @@
             <a:fld id="{EFC10EE1-B198-C942-8235-326C972CBB30}" type="datetimeFigureOut">
               <a:rPr lang="en-US" smtClean="0"/>
               <a:pPr/>
-              <a:t>10/19/20</a:t>
+              <a:t>3/9/21</a:t>
             </a:fld>
             <a:endParaRPr lang="en-US" dirty="0"/>
           </a:p>
@@ -1567,7 +1568,7 @@
           <p:nvPr>
             <p:extLst>
               <p:ext uri="{D42A27DB-BD31-4B8C-83A1-F6EECF244321}">
-                <p14:modId xmlns:p14="http://schemas.microsoft.com/office/powerpoint/2010/main" val="2210176389"/>
+                <p14:modId xmlns:p14="http://schemas.microsoft.com/office/powerpoint/2010/main" val="3722324301"/>
               </p:ext>
             </p:extLst>
           </p:nvPr>

--- a/marketing/marketreports/retail_snapshot_template.pptx
+++ b/marketing/marketreports/retail_snapshot_template.pptx
@@ -142,7 +142,7 @@
 <file path=ppt/revisionInfo.xml><?xml version="1.0" encoding="utf-8"?>
 <p1510:revInfo xmlns:a="http://schemas.openxmlformats.org/drawingml/2006/main" xmlns:r="http://schemas.openxmlformats.org/officeDocument/2006/relationships" xmlns:p1510="http://schemas.microsoft.com/office/powerpoint/2015/10/main">
   <p1510:revLst>
-    <p1510:client id="{12A3F488-9A57-6342-BFCB-70DE284EC64B}" v="6" dt="2020-10-19T19:14:34.279"/>
+    <p1510:client id="{43604EE1-EF41-D041-9E0E-DC9174B71265}" v="1" dt="2021-05-13T19:27:38.925"/>
   </p1510:revLst>
 </p1510:revInfo>
 </file>
@@ -172,6 +172,30 @@
         </pc:spChg>
         <pc:graphicFrameChg chg="mod">
           <ac:chgData name="Andrew Schnitkey" userId="4f2f6332d690fb8f" providerId="LiveId" clId="{12A3F488-9A57-6342-BFCB-70DE284EC64B}" dt="2020-10-19T19:14:34.279" v="14" actId="5736"/>
+          <ac:graphicFrameMkLst>
+            <pc:docMk/>
+            <pc:sldMk cId="769240779" sldId="3309"/>
+            <ac:graphicFrameMk id="2" creationId="{AE554B24-EC4F-6245-BAC1-E1ED0E9FC0C4}"/>
+          </ac:graphicFrameMkLst>
+        </pc:graphicFrameChg>
+      </pc:sldChg>
+    </pc:docChg>
+  </pc:docChgLst>
+  <pc:docChgLst>
+    <pc:chgData name="Andrew Schnitkey" userId="4f2f6332d690fb8f" providerId="LiveId" clId="{43604EE1-EF41-D041-9E0E-DC9174B71265}"/>
+    <pc:docChg chg="modSld">
+      <pc:chgData name="Andrew Schnitkey" userId="4f2f6332d690fb8f" providerId="LiveId" clId="{43604EE1-EF41-D041-9E0E-DC9174B71265}" dt="2021-05-13T19:27:38.925" v="11" actId="5736"/>
+      <pc:docMkLst>
+        <pc:docMk/>
+      </pc:docMkLst>
+      <pc:sldChg chg="modSp mod">
+        <pc:chgData name="Andrew Schnitkey" userId="4f2f6332d690fb8f" providerId="LiveId" clId="{43604EE1-EF41-D041-9E0E-DC9174B71265}" dt="2021-05-13T19:27:38.925" v="11" actId="5736"/>
+        <pc:sldMkLst>
+          <pc:docMk/>
+          <pc:sldMk cId="769240779" sldId="3309"/>
+        </pc:sldMkLst>
+        <pc:graphicFrameChg chg="mod">
+          <ac:chgData name="Andrew Schnitkey" userId="4f2f6332d690fb8f" providerId="LiveId" clId="{43604EE1-EF41-D041-9E0E-DC9174B71265}" dt="2021-05-13T19:27:38.925" v="11" actId="5736"/>
           <ac:graphicFrameMkLst>
             <pc:docMk/>
             <pc:sldMk cId="769240779" sldId="3309"/>
@@ -257,19 +281,19 @@
               <c:strCache>
                 <c:ptCount val="5"/>
                 <c:pt idx="0">
-                  <c:v>Q4 2019</c:v>
+                  <c:v>Q1 2020</c:v>
                 </c:pt>
                 <c:pt idx="1">
-                  <c:v>Q1 2020</c:v>
+                  <c:v>Q2 2020</c:v>
                 </c:pt>
                 <c:pt idx="2">
-                  <c:v>Q2 2020</c:v>
+                  <c:v>Q3 2020</c:v>
                 </c:pt>
                 <c:pt idx="3">
-                  <c:v>Q3 2020</c:v>
+                  <c:v>Q4 2020</c:v>
                 </c:pt>
                 <c:pt idx="4">
-                  <c:v>Q4 2020</c:v>
+                  <c:v>Q1 2021</c:v>
                 </c:pt>
               </c:strCache>
             </c:strRef>
@@ -281,19 +305,19 @@
                 <c:formatCode>General</c:formatCode>
                 <c:ptCount val="5"/>
                 <c:pt idx="0">
-                  <c:v>-43334</c:v>
+                  <c:v>-41320</c:v>
                 </c:pt>
                 <c:pt idx="1">
-                  <c:v>-41320</c:v>
+                  <c:v>-190000</c:v>
                 </c:pt>
                 <c:pt idx="2">
-                  <c:v>-190000</c:v>
+                  <c:v>14781</c:v>
                 </c:pt>
                 <c:pt idx="3">
-                  <c:v>14781</c:v>
+                  <c:v>106000</c:v>
                 </c:pt>
-                <c:pt idx="4">
-                  <c:v>106000</c:v>
+                <c:pt idx="4" formatCode="#,##0">
+                  <c:v>-342000</c:v>
                 </c:pt>
               </c:numCache>
             </c:numRef>
@@ -364,19 +388,19 @@
               <c:strCache>
                 <c:ptCount val="5"/>
                 <c:pt idx="0">
-                  <c:v>Q4 2019</c:v>
+                  <c:v>Q1 2020</c:v>
                 </c:pt>
                 <c:pt idx="1">
-                  <c:v>Q1 2020</c:v>
+                  <c:v>Q2 2020</c:v>
                 </c:pt>
                 <c:pt idx="2">
-                  <c:v>Q2 2020</c:v>
+                  <c:v>Q3 2020</c:v>
                 </c:pt>
                 <c:pt idx="3">
-                  <c:v>Q3 2020</c:v>
+                  <c:v>Q4 2020</c:v>
                 </c:pt>
                 <c:pt idx="4">
-                  <c:v>Q4 2020</c:v>
+                  <c:v>Q1 2021</c:v>
                 </c:pt>
               </c:strCache>
             </c:strRef>
@@ -388,10 +412,10 @@
                 <c:formatCode>0.00%</c:formatCode>
                 <c:ptCount val="5"/>
                 <c:pt idx="0">
-                  <c:v>3.3000000000000002E-2</c:v>
+                  <c:v>3.5000000000000003E-2</c:v>
                 </c:pt>
                 <c:pt idx="1">
-                  <c:v>3.5000000000000003E-2</c:v>
+                  <c:v>3.4000000000000002E-2</c:v>
                 </c:pt>
                 <c:pt idx="2">
                   <c:v>3.4000000000000002E-2</c:v>
@@ -400,7 +424,7 @@
                   <c:v>3.4000000000000002E-2</c:v>
                 </c:pt>
                 <c:pt idx="4">
-                  <c:v>3.4000000000000002E-2</c:v>
+                  <c:v>3.5000000000000003E-2</c:v>
                 </c:pt>
               </c:numCache>
             </c:numRef>
@@ -688,7 +712,7 @@
             <a:fld id="{EFC10EE1-B198-C942-8235-326C972CBB30}" type="datetimeFigureOut">
               <a:rPr lang="en-US" smtClean="0"/>
               <a:pPr/>
-              <a:t>3/9/21</a:t>
+              <a:t>5/13/21</a:t>
             </a:fld>
             <a:endParaRPr lang="en-US" dirty="0"/>
           </a:p>
@@ -1568,7 +1592,7 @@
           <p:nvPr>
             <p:extLst>
               <p:ext uri="{D42A27DB-BD31-4B8C-83A1-F6EECF244321}">
-                <p14:modId xmlns:p14="http://schemas.microsoft.com/office/powerpoint/2010/main" val="3722324301"/>
+                <p14:modId xmlns:p14="http://schemas.microsoft.com/office/powerpoint/2010/main" val="619087415"/>
               </p:ext>
             </p:extLst>
           </p:nvPr>

--- a/marketing/marketreports/retail_snapshot_template.pptx
+++ b/marketing/marketreports/retail_snapshot_template.pptx
@@ -142,7 +142,7 @@
 <file path=ppt/revisionInfo.xml><?xml version="1.0" encoding="utf-8"?>
 <p1510:revInfo xmlns:a="http://schemas.openxmlformats.org/drawingml/2006/main" xmlns:r="http://schemas.openxmlformats.org/officeDocument/2006/relationships" xmlns:p1510="http://schemas.microsoft.com/office/powerpoint/2015/10/main">
   <p1510:revLst>
-    <p1510:client id="{43604EE1-EF41-D041-9E0E-DC9174B71265}" v="1" dt="2021-05-13T19:27:38.925"/>
+    <p1510:client id="{43604EE1-EF41-D041-9E0E-DC9174B71265}" v="5" dt="2021-07-28T15:33:26.412"/>
   </p1510:revLst>
 </p1510:revInfo>
 </file>
@@ -184,18 +184,18 @@
   <pc:docChgLst>
     <pc:chgData name="Andrew Schnitkey" userId="4f2f6332d690fb8f" providerId="LiveId" clId="{43604EE1-EF41-D041-9E0E-DC9174B71265}"/>
     <pc:docChg chg="modSld">
-      <pc:chgData name="Andrew Schnitkey" userId="4f2f6332d690fb8f" providerId="LiveId" clId="{43604EE1-EF41-D041-9E0E-DC9174B71265}" dt="2021-05-13T19:27:38.925" v="11" actId="5736"/>
+      <pc:chgData name="Andrew Schnitkey" userId="4f2f6332d690fb8f" providerId="LiveId" clId="{43604EE1-EF41-D041-9E0E-DC9174B71265}" dt="2021-07-28T15:33:26.412" v="18" actId="5736"/>
       <pc:docMkLst>
         <pc:docMk/>
       </pc:docMkLst>
       <pc:sldChg chg="modSp mod">
-        <pc:chgData name="Andrew Schnitkey" userId="4f2f6332d690fb8f" providerId="LiveId" clId="{43604EE1-EF41-D041-9E0E-DC9174B71265}" dt="2021-05-13T19:27:38.925" v="11" actId="5736"/>
+        <pc:chgData name="Andrew Schnitkey" userId="4f2f6332d690fb8f" providerId="LiveId" clId="{43604EE1-EF41-D041-9E0E-DC9174B71265}" dt="2021-07-28T15:33:26.412" v="18" actId="5736"/>
         <pc:sldMkLst>
           <pc:docMk/>
           <pc:sldMk cId="769240779" sldId="3309"/>
         </pc:sldMkLst>
         <pc:graphicFrameChg chg="mod">
-          <ac:chgData name="Andrew Schnitkey" userId="4f2f6332d690fb8f" providerId="LiveId" clId="{43604EE1-EF41-D041-9E0E-DC9174B71265}" dt="2021-05-13T19:27:38.925" v="11" actId="5736"/>
+          <ac:chgData name="Andrew Schnitkey" userId="4f2f6332d690fb8f" providerId="LiveId" clId="{43604EE1-EF41-D041-9E0E-DC9174B71265}" dt="2021-07-28T15:33:26.412" v="18" actId="5736"/>
           <ac:graphicFrameMkLst>
             <pc:docMk/>
             <pc:sldMk cId="769240779" sldId="3309"/>
@@ -281,19 +281,19 @@
               <c:strCache>
                 <c:ptCount val="5"/>
                 <c:pt idx="0">
-                  <c:v>Q1 2020</c:v>
+                  <c:v>Q2 2020</c:v>
                 </c:pt>
                 <c:pt idx="1">
-                  <c:v>Q2 2020</c:v>
+                  <c:v>Q3 2020</c:v>
                 </c:pt>
                 <c:pt idx="2">
-                  <c:v>Q3 2020</c:v>
+                  <c:v>Q4 2020</c:v>
                 </c:pt>
                 <c:pt idx="3">
-                  <c:v>Q4 2020</c:v>
+                  <c:v>Q1 2021</c:v>
                 </c:pt>
                 <c:pt idx="4">
-                  <c:v>Q1 2021</c:v>
+                  <c:v>Q2 2021</c:v>
                 </c:pt>
               </c:strCache>
             </c:strRef>
@@ -305,19 +305,19 @@
                 <c:formatCode>General</c:formatCode>
                 <c:ptCount val="5"/>
                 <c:pt idx="0">
-                  <c:v>-41320</c:v>
+                  <c:v>-190000</c:v>
                 </c:pt>
                 <c:pt idx="1">
-                  <c:v>-190000</c:v>
+                  <c:v>14781</c:v>
                 </c:pt>
                 <c:pt idx="2">
-                  <c:v>14781</c:v>
-                </c:pt>
-                <c:pt idx="3">
                   <c:v>106000</c:v>
                 </c:pt>
+                <c:pt idx="3" formatCode="#,##0">
+                  <c:v>-342000</c:v>
+                </c:pt>
                 <c:pt idx="4" formatCode="#,##0">
-                  <c:v>-342000</c:v>
+                  <c:v>-210000</c:v>
                 </c:pt>
               </c:numCache>
             </c:numRef>
@@ -388,19 +388,19 @@
               <c:strCache>
                 <c:ptCount val="5"/>
                 <c:pt idx="0">
-                  <c:v>Q1 2020</c:v>
+                  <c:v>Q2 2020</c:v>
                 </c:pt>
                 <c:pt idx="1">
-                  <c:v>Q2 2020</c:v>
+                  <c:v>Q3 2020</c:v>
                 </c:pt>
                 <c:pt idx="2">
-                  <c:v>Q3 2020</c:v>
+                  <c:v>Q4 2020</c:v>
                 </c:pt>
                 <c:pt idx="3">
-                  <c:v>Q4 2020</c:v>
+                  <c:v>Q1 2021</c:v>
                 </c:pt>
                 <c:pt idx="4">
-                  <c:v>Q1 2021</c:v>
+                  <c:v>Q2 2021</c:v>
                 </c:pt>
               </c:strCache>
             </c:strRef>
@@ -412,7 +412,7 @@
                 <c:formatCode>0.00%</c:formatCode>
                 <c:ptCount val="5"/>
                 <c:pt idx="0">
-                  <c:v>3.5000000000000003E-2</c:v>
+                  <c:v>3.4000000000000002E-2</c:v>
                 </c:pt>
                 <c:pt idx="1">
                   <c:v>3.4000000000000002E-2</c:v>
@@ -421,10 +421,10 @@
                   <c:v>3.4000000000000002E-2</c:v>
                 </c:pt>
                 <c:pt idx="3">
-                  <c:v>3.4000000000000002E-2</c:v>
+                  <c:v>3.5000000000000003E-2</c:v>
                 </c:pt>
                 <c:pt idx="4">
-                  <c:v>3.5000000000000003E-2</c:v>
+                  <c:v>3.5999999999999997E-2</c:v>
                 </c:pt>
               </c:numCache>
             </c:numRef>
@@ -550,8 +550,8 @@
         <c:axId val="616685120"/>
         <c:scaling>
           <c:orientation val="minMax"/>
-          <c:max val="3.6000000000000004E-2"/>
-          <c:min val="3.2000000000000008E-2"/>
+          <c:max val="3.7000000000000005E-2"/>
+          <c:min val="3.3000000000000008E-2"/>
         </c:scaling>
         <c:delete val="0"/>
         <c:axPos val="r"/>
@@ -712,7 +712,7 @@
             <a:fld id="{EFC10EE1-B198-C942-8235-326C972CBB30}" type="datetimeFigureOut">
               <a:rPr lang="en-US" smtClean="0"/>
               <a:pPr/>
-              <a:t>5/13/21</a:t>
+              <a:t>7/28/21</a:t>
             </a:fld>
             <a:endParaRPr lang="en-US" dirty="0"/>
           </a:p>
@@ -1592,7 +1592,7 @@
           <p:nvPr>
             <p:extLst>
               <p:ext uri="{D42A27DB-BD31-4B8C-83A1-F6EECF244321}">
-                <p14:modId xmlns:p14="http://schemas.microsoft.com/office/powerpoint/2010/main" val="619087415"/>
+                <p14:modId xmlns:p14="http://schemas.microsoft.com/office/powerpoint/2010/main" val="4190198029"/>
               </p:ext>
             </p:extLst>
           </p:nvPr>

--- a/marketing/marketreports/retail_snapshot_template.pptx
+++ b/marketing/marketreports/retail_snapshot_template.pptx
@@ -142,13 +142,37 @@
 <file path=ppt/revisionInfo.xml><?xml version="1.0" encoding="utf-8"?>
 <p1510:revInfo xmlns:a="http://schemas.openxmlformats.org/drawingml/2006/main" xmlns:r="http://schemas.openxmlformats.org/officeDocument/2006/relationships" xmlns:p1510="http://schemas.microsoft.com/office/powerpoint/2015/10/main">
   <p1510:revLst>
-    <p1510:client id="{43604EE1-EF41-D041-9E0E-DC9174B71265}" v="5" dt="2021-07-28T15:33:26.412"/>
+    <p1510:client id="{16E44B26-BF37-7B48-953E-800AE981A8A8}" v="6" dt="2021-10-20T15:33:15.649"/>
   </p1510:revLst>
 </p1510:revInfo>
 </file>
 
 <file path=ppt/changesInfos/changesInfo1.xml><?xml version="1.0" encoding="utf-8"?>
 <pc:chgInfo xmlns:a="http://schemas.openxmlformats.org/drawingml/2006/main" xmlns:r="http://schemas.openxmlformats.org/officeDocument/2006/relationships" xmlns:ac="http://schemas.microsoft.com/office/drawing/2013/main/command" xmlns:pc="http://schemas.microsoft.com/office/powerpoint/2013/main/command">
+  <pc:docChgLst>
+    <pc:chgData name="Andrew Schnitkey" userId="4f2f6332d690fb8f" providerId="LiveId" clId="{16E44B26-BF37-7B48-953E-800AE981A8A8}"/>
+    <pc:docChg chg="modSld">
+      <pc:chgData name="Andrew Schnitkey" userId="4f2f6332d690fb8f" providerId="LiveId" clId="{16E44B26-BF37-7B48-953E-800AE981A8A8}" dt="2021-10-20T15:33:15.648" v="7" actId="5736"/>
+      <pc:docMkLst>
+        <pc:docMk/>
+      </pc:docMkLst>
+      <pc:sldChg chg="modSp mod">
+        <pc:chgData name="Andrew Schnitkey" userId="4f2f6332d690fb8f" providerId="LiveId" clId="{16E44B26-BF37-7B48-953E-800AE981A8A8}" dt="2021-10-20T15:33:15.648" v="7" actId="5736"/>
+        <pc:sldMkLst>
+          <pc:docMk/>
+          <pc:sldMk cId="769240779" sldId="3309"/>
+        </pc:sldMkLst>
+        <pc:graphicFrameChg chg="mod">
+          <ac:chgData name="Andrew Schnitkey" userId="4f2f6332d690fb8f" providerId="LiveId" clId="{16E44B26-BF37-7B48-953E-800AE981A8A8}" dt="2021-10-20T15:33:15.648" v="7" actId="5736"/>
+          <ac:graphicFrameMkLst>
+            <pc:docMk/>
+            <pc:sldMk cId="769240779" sldId="3309"/>
+            <ac:graphicFrameMk id="2" creationId="{AE554B24-EC4F-6245-BAC1-E1ED0E9FC0C4}"/>
+          </ac:graphicFrameMkLst>
+        </pc:graphicFrameChg>
+      </pc:sldChg>
+    </pc:docChg>
+  </pc:docChgLst>
   <pc:docChgLst>
     <pc:chgData name="Andrew Schnitkey" userId="4f2f6332d690fb8f" providerId="LiveId" clId="{12A3F488-9A57-6342-BFCB-70DE284EC64B}"/>
     <pc:docChg chg="modSld">
@@ -229,8 +253,8 @@
           <c:layoutTarget val="inner"/>
           <c:xMode val="edge"/>
           <c:yMode val="edge"/>
-          <c:x val="7.3452002385493473E-2"/>
-          <c:y val="3.0938070778966448E-2"/>
+          <c:x val="9.9362993287144971E-2"/>
+          <c:y val="3.6614781013639193E-2"/>
           <c:w val="0.85471812184453899"/>
           <c:h val="0.88831072613281381"/>
         </c:manualLayout>
@@ -281,19 +305,19 @@
               <c:strCache>
                 <c:ptCount val="5"/>
                 <c:pt idx="0">
-                  <c:v>Q2 2020</c:v>
+                  <c:v>Q3 2020</c:v>
                 </c:pt>
                 <c:pt idx="1">
-                  <c:v>Q3 2020</c:v>
+                  <c:v>Q4 2020</c:v>
                 </c:pt>
                 <c:pt idx="2">
-                  <c:v>Q4 2020</c:v>
+                  <c:v>Q1 2021</c:v>
                 </c:pt>
                 <c:pt idx="3">
-                  <c:v>Q1 2021</c:v>
+                  <c:v>Q2 2021</c:v>
                 </c:pt>
                 <c:pt idx="4">
-                  <c:v>Q2 2021</c:v>
+                  <c:v>Q3 2021</c:v>
                 </c:pt>
               </c:strCache>
             </c:strRef>
@@ -305,19 +329,19 @@
                 <c:formatCode>General</c:formatCode>
                 <c:ptCount val="5"/>
                 <c:pt idx="0">
-                  <c:v>-190000</c:v>
+                  <c:v>14781</c:v>
                 </c:pt>
                 <c:pt idx="1">
-                  <c:v>14781</c:v>
-                </c:pt>
-                <c:pt idx="2">
                   <c:v>106000</c:v>
                 </c:pt>
-                <c:pt idx="3" formatCode="#,##0">
+                <c:pt idx="2" formatCode="#,##0">
                   <c:v>-342000</c:v>
                 </c:pt>
+                <c:pt idx="3" formatCode="#,##0">
+                  <c:v>-210000</c:v>
+                </c:pt>
                 <c:pt idx="4" formatCode="#,##0">
-                  <c:v>-210000</c:v>
+                  <c:v>23000</c:v>
                 </c:pt>
               </c:numCache>
             </c:numRef>
@@ -388,19 +412,19 @@
               <c:strCache>
                 <c:ptCount val="5"/>
                 <c:pt idx="0">
-                  <c:v>Q2 2020</c:v>
+                  <c:v>Q3 2020</c:v>
                 </c:pt>
                 <c:pt idx="1">
-                  <c:v>Q3 2020</c:v>
+                  <c:v>Q4 2020</c:v>
                 </c:pt>
                 <c:pt idx="2">
-                  <c:v>Q4 2020</c:v>
+                  <c:v>Q1 2021</c:v>
                 </c:pt>
                 <c:pt idx="3">
-                  <c:v>Q1 2021</c:v>
+                  <c:v>Q2 2021</c:v>
                 </c:pt>
                 <c:pt idx="4">
-                  <c:v>Q2 2021</c:v>
+                  <c:v>Q3 2021</c:v>
                 </c:pt>
               </c:strCache>
             </c:strRef>
@@ -418,10 +442,10 @@
                   <c:v>3.4000000000000002E-2</c:v>
                 </c:pt>
                 <c:pt idx="2">
-                  <c:v>3.4000000000000002E-2</c:v>
+                  <c:v>3.5000000000000003E-2</c:v>
                 </c:pt>
                 <c:pt idx="3">
-                  <c:v>3.5000000000000003E-2</c:v>
+                  <c:v>3.5999999999999997E-2</c:v>
                 </c:pt>
                 <c:pt idx="4">
                   <c:v>3.5999999999999997E-2</c:v>
@@ -544,7 +568,7 @@
         </c:txPr>
         <c:crossAx val="-1808985568"/>
         <c:crosses val="autoZero"/>
-        <c:crossBetween val="midCat"/>
+        <c:crossBetween val="between"/>
       </c:valAx>
       <c:valAx>
         <c:axId val="616685120"/>
@@ -712,7 +736,7 @@
             <a:fld id="{EFC10EE1-B198-C942-8235-326C972CBB30}" type="datetimeFigureOut">
               <a:rPr lang="en-US" smtClean="0"/>
               <a:pPr/>
-              <a:t>7/28/21</a:t>
+              <a:t>10/20/21</a:t>
             </a:fld>
             <a:endParaRPr lang="en-US" dirty="0"/>
           </a:p>
@@ -1592,7 +1616,7 @@
           <p:nvPr>
             <p:extLst>
               <p:ext uri="{D42A27DB-BD31-4B8C-83A1-F6EECF244321}">
-                <p14:modId xmlns:p14="http://schemas.microsoft.com/office/powerpoint/2010/main" val="4190198029"/>
+                <p14:modId xmlns:p14="http://schemas.microsoft.com/office/powerpoint/2010/main" val="2101046418"/>
               </p:ext>
             </p:extLst>
           </p:nvPr>
